--- a/docs/apresentacao.pptx
+++ b/docs/apresentacao.pptx
@@ -11,8 +11,8 @@
     <p:sldId id="256" r:id="rId5"/>
     <p:sldId id="257" r:id="rId6"/>
     <p:sldId id="258" r:id="rId7"/>
-    <p:sldId id="267" r:id="rId8"/>
-    <p:sldId id="268" r:id="rId9"/>
+    <p:sldId id="268" r:id="rId8"/>
+    <p:sldId id="267" r:id="rId9"/>
     <p:sldId id="263" r:id="rId10"/>
     <p:sldId id="266" r:id="rId11"/>
   </p:sldIdLst>
@@ -5739,7 +5739,7 @@
                   <a:schemeClr val="bg1"/>
                 </a:solidFill>
               </a:rPr>
-              <a:t>Results – Execution time</a:t>
+              <a:t>Results – Energy consumption</a:t>
             </a:r>
           </a:p>
         </p:txBody>
@@ -5973,10 +5973,10 @@
       </p:pic>
       <p:pic>
         <p:nvPicPr>
-          <p:cNvPr id="8" name="Imagem 7">
-            <a:extLst>
-              <a:ext uri="{FF2B5EF4-FFF2-40B4-BE49-F238E27FC236}">
-                <a16:creationId xmlns:a16="http://schemas.microsoft.com/office/drawing/2014/main" id="{5B0E975E-2D06-7A3B-0C7E-8DE6D43829B3}"/>
+          <p:cNvPr id="11" name="Imagem 10">
+            <a:extLst>
+              <a:ext uri="{FF2B5EF4-FFF2-40B4-BE49-F238E27FC236}">
+                <a16:creationId xmlns:a16="http://schemas.microsoft.com/office/drawing/2014/main" id="{3094C6D6-D308-60C4-31C8-265B11D3C740}"/>
               </a:ext>
             </a:extLst>
           </p:cNvPr>
@@ -5993,8 +5993,8 @@
         </p:blipFill>
         <p:spPr>
           <a:xfrm>
-            <a:off x="533358" y="6044393"/>
-            <a:ext cx="28937661" cy="14359309"/>
+            <a:off x="823534" y="6233198"/>
+            <a:ext cx="28628143" cy="14077862"/>
           </a:xfrm>
           <a:prstGeom prst="rect">
             <a:avLst/>
@@ -6004,7 +6004,7 @@
     </p:spTree>
     <p:extLst>
       <p:ext uri="{BB962C8B-B14F-4D97-AF65-F5344CB8AC3E}">
-        <p14:creationId xmlns:p14="http://schemas.microsoft.com/office/powerpoint/2010/main" val="3898335523"/>
+        <p14:creationId xmlns:p14="http://schemas.microsoft.com/office/powerpoint/2010/main" val="3575241477"/>
       </p:ext>
     </p:extLst>
   </p:cSld>
@@ -6095,7 +6095,7 @@
                   <a:schemeClr val="bg1"/>
                 </a:solidFill>
               </a:rPr>
-              <a:t>Results – Energy consumption</a:t>
+              <a:t>Results – Execution time</a:t>
             </a:r>
           </a:p>
         </p:txBody>
@@ -6329,10 +6329,10 @@
       </p:pic>
       <p:pic>
         <p:nvPicPr>
-          <p:cNvPr id="11" name="Imagem 10">
-            <a:extLst>
-              <a:ext uri="{FF2B5EF4-FFF2-40B4-BE49-F238E27FC236}">
-                <a16:creationId xmlns:a16="http://schemas.microsoft.com/office/drawing/2014/main" id="{3094C6D6-D308-60C4-31C8-265B11D3C740}"/>
+          <p:cNvPr id="8" name="Imagem 7">
+            <a:extLst>
+              <a:ext uri="{FF2B5EF4-FFF2-40B4-BE49-F238E27FC236}">
+                <a16:creationId xmlns:a16="http://schemas.microsoft.com/office/drawing/2014/main" id="{5B0E975E-2D06-7A3B-0C7E-8DE6D43829B3}"/>
               </a:ext>
             </a:extLst>
           </p:cNvPr>
@@ -6349,8 +6349,8 @@
         </p:blipFill>
         <p:spPr>
           <a:xfrm>
-            <a:off x="823534" y="6233198"/>
-            <a:ext cx="28628143" cy="14077862"/>
+            <a:off x="533358" y="6044393"/>
+            <a:ext cx="28937661" cy="14359309"/>
           </a:xfrm>
           <a:prstGeom prst="rect">
             <a:avLst/>
@@ -6360,7 +6360,7 @@
     </p:spTree>
     <p:extLst>
       <p:ext uri="{BB962C8B-B14F-4D97-AF65-F5344CB8AC3E}">
-        <p14:creationId xmlns:p14="http://schemas.microsoft.com/office/powerpoint/2010/main" val="3575241477"/>
+        <p14:creationId xmlns:p14="http://schemas.microsoft.com/office/powerpoint/2010/main" val="3898335523"/>
       </p:ext>
     </p:extLst>
   </p:cSld>
@@ -7711,15 +7711,6 @@
 </file>
 
 <file path=customXml/item2.xml><?xml version="1.0" encoding="utf-8"?>
-<?mso-contentType ?>
-<FormTemplates xmlns="http://schemas.microsoft.com/sharepoint/v3/contenttype/forms">
-  <Display>DocumentLibraryForm</Display>
-  <Edit>DocumentLibraryForm</Edit>
-  <New>DocumentLibraryForm</New>
-</FormTemplates>
-</file>
-
-<file path=customXml/item3.xml><?xml version="1.0" encoding="utf-8"?>
 <ct:contentTypeSchema xmlns:ct="http://schemas.microsoft.com/office/2006/metadata/contentType" xmlns:ma="http://schemas.microsoft.com/office/2006/metadata/properties/metaAttributes" ct:_="" ma:_="" ma:contentTypeName="Documento" ma:contentTypeID="0x010100C52FA17F2190D144810EE9C521E04643" ma:contentTypeVersion="6" ma:contentTypeDescription="Criar um novo documento." ma:contentTypeScope="" ma:versionID="1122af756e670e5461a908774f9e6e49">
   <xsd:schema xmlns:xsd="http://www.w3.org/2001/XMLSchema" xmlns:xs="http://www.w3.org/2001/XMLSchema" xmlns:p="http://schemas.microsoft.com/office/2006/metadata/properties" xmlns:ns3="e42a2760-b3ad-4812-bc55-6048ba2d1e4d" xmlns:ns4="40c4f21e-b4ec-4f7a-b1f1-a645ec9109f5" targetNamespace="http://schemas.microsoft.com/office/2006/metadata/properties" ma:root="true" ma:fieldsID="0b2cabc7553eed129def89cf79fe57fb" ns3:_="" ns4:_="">
     <xsd:import namespace="e42a2760-b3ad-4812-bc55-6048ba2d1e4d"/>
@@ -7896,6 +7887,15 @@
 </ct:contentTypeSchema>
 </file>
 
+<file path=customXml/item3.xml><?xml version="1.0" encoding="utf-8"?>
+<?mso-contentType ?>
+<FormTemplates xmlns="http://schemas.microsoft.com/sharepoint/v3/contenttype/forms">
+  <Display>DocumentLibraryForm</Display>
+  <Edit>DocumentLibraryForm</Edit>
+  <New>DocumentLibraryForm</New>
+</FormTemplates>
+</file>
+
 <file path=customXml/itemProps1.xml><?xml version="1.0" encoding="utf-8"?>
 <ds:datastoreItem xmlns:ds="http://schemas.openxmlformats.org/officeDocument/2006/customXml" ds:itemID="{FB37D879-AF8C-43B4-B234-B01459FA532A}">
   <ds:schemaRefs>
@@ -7914,14 +7914,6 @@
 </file>
 
 <file path=customXml/itemProps2.xml><?xml version="1.0" encoding="utf-8"?>
-<ds:datastoreItem xmlns:ds="http://schemas.openxmlformats.org/officeDocument/2006/customXml" ds:itemID="{A5F9301E-F72F-413D-BEB9-F24E4923A0C4}">
-  <ds:schemaRefs>
-    <ds:schemaRef ds:uri="http://schemas.microsoft.com/sharepoint/v3/contenttype/forms"/>
-  </ds:schemaRefs>
-</ds:datastoreItem>
-</file>
-
-<file path=customXml/itemProps3.xml><?xml version="1.0" encoding="utf-8"?>
 <ds:datastoreItem xmlns:ds="http://schemas.openxmlformats.org/officeDocument/2006/customXml" ds:itemID="{DD59CF24-03E7-4F57-8552-76239C01C06D}">
   <ds:schemaRefs>
     <ds:schemaRef ds:uri="40c4f21e-b4ec-4f7a-b1f1-a645ec9109f5"/>
@@ -7938,4 +7930,12 @@
     <ds:schemaRef ds:uri="http://www.w3.org/2001/XMLSchema"/>
   </ds:schemaRefs>
 </ds:datastoreItem>
+</file>
+
+<file path=customXml/itemProps3.xml><?xml version="1.0" encoding="utf-8"?>
+<ds:datastoreItem xmlns:ds="http://schemas.openxmlformats.org/officeDocument/2006/customXml" ds:itemID="{A5F9301E-F72F-413D-BEB9-F24E4923A0C4}">
+  <ds:schemaRefs>
+    <ds:schemaRef ds:uri="http://schemas.microsoft.com/sharepoint/v3/contenttype/forms"/>
+  </ds:schemaRefs>
+</ds:datastoreItem>
 </file>